--- a/seminario/Seminário IA - Visão Computacional.pptx
+++ b/seminario/Seminário IA - Visão Computacional.pptx
@@ -10777,8 +10777,77 @@
             </a:r>
             <a:endParaRPr lang="pt-BR" dirty="0"/>
           </a:p>
+          <a:p>
+            <a:r>
+              <a:rPr lang="pt-BR" dirty="0"/>
+              <a:t>O que não é possível</a:t>
+            </a:r>
+          </a:p>
+          <a:p>
+            <a:endParaRPr lang="pt-BR" dirty="0"/>
+          </a:p>
         </p:txBody>
       </p:sp>
+      <p:pic>
+        <p:nvPicPr>
+          <p:cNvPr id="4" name="Imagem 3">
+            <a:extLst>
+              <a:ext uri="{FF2B5EF4-FFF2-40B4-BE49-F238E27FC236}">
+                <a16:creationId xmlns:a16="http://schemas.microsoft.com/office/drawing/2014/main" id="{35F63F57-7428-994A-8189-64770FCC15C8}"/>
+              </a:ext>
+            </a:extLst>
+          </p:cNvPr>
+          <p:cNvPicPr>
+            <a:picLocks noChangeAspect="1"/>
+          </p:cNvPicPr>
+          <p:nvPr/>
+        </p:nvPicPr>
+        <p:blipFill>
+          <a:blip r:embed="rId3"/>
+          <a:stretch>
+            <a:fillRect/>
+          </a:stretch>
+        </p:blipFill>
+        <p:spPr>
+          <a:xfrm>
+            <a:off x="1297500" y="2285950"/>
+            <a:ext cx="3289300" cy="2463800"/>
+          </a:xfrm>
+          <a:prstGeom prst="rect">
+            <a:avLst/>
+          </a:prstGeom>
+        </p:spPr>
+      </p:pic>
+      <p:pic>
+        <p:nvPicPr>
+          <p:cNvPr id="5" name="Imagem 4">
+            <a:extLst>
+              <a:ext uri="{FF2B5EF4-FFF2-40B4-BE49-F238E27FC236}">
+                <a16:creationId xmlns:a16="http://schemas.microsoft.com/office/drawing/2014/main" id="{3A8773CE-BC34-AD46-9DF6-F7A6B6EF5795}"/>
+              </a:ext>
+            </a:extLst>
+          </p:cNvPr>
+          <p:cNvPicPr>
+            <a:picLocks noChangeAspect="1"/>
+          </p:cNvPicPr>
+          <p:nvPr/>
+        </p:nvPicPr>
+        <p:blipFill>
+          <a:blip r:embed="rId4"/>
+          <a:stretch>
+            <a:fillRect/>
+          </a:stretch>
+        </p:blipFill>
+        <p:spPr>
+          <a:xfrm>
+            <a:off x="4801487" y="2285950"/>
+            <a:ext cx="3830572" cy="2452500"/>
+          </a:xfrm>
+          <a:prstGeom prst="rect">
+            <a:avLst/>
+          </a:prstGeom>
+        </p:spPr>
+      </p:pic>
     </p:spTree>
     <p:extLst>
       <p:ext uri="{BB962C8B-B14F-4D97-AF65-F5344CB8AC3E}">
